--- a/Predstaviane_na_proekt.pptx
+++ b/Predstaviane_na_proekt.pptx
@@ -269,7 +269,7 @@
           <a:p>
             <a:fld id="{7F745D91-181B-4ACC-9A76-FEF69BCB56D6}" type="datetimeFigureOut">
               <a:rPr lang="bg-BG" smtClean="0"/>
-              <a:t>4.6.2024 г.</a:t>
+              <a:t>17.6.2024 г.</a:t>
             </a:fld>
             <a:endParaRPr lang="bg-BG"/>
           </a:p>
@@ -486,7 +486,7 @@
           <a:p>
             <a:fld id="{7F745D91-181B-4ACC-9A76-FEF69BCB56D6}" type="datetimeFigureOut">
               <a:rPr lang="bg-BG" smtClean="0"/>
-              <a:t>4.6.2024 г.</a:t>
+              <a:t>17.6.2024 г.</a:t>
             </a:fld>
             <a:endParaRPr lang="bg-BG"/>
           </a:p>
@@ -707,7 +707,7 @@
           <a:p>
             <a:fld id="{7F745D91-181B-4ACC-9A76-FEF69BCB56D6}" type="datetimeFigureOut">
               <a:rPr lang="bg-BG" smtClean="0"/>
-              <a:t>4.6.2024 г.</a:t>
+              <a:t>17.6.2024 г.</a:t>
             </a:fld>
             <a:endParaRPr lang="bg-BG"/>
           </a:p>
@@ -914,7 +914,7 @@
           <a:p>
             <a:fld id="{7F745D91-181B-4ACC-9A76-FEF69BCB56D6}" type="datetimeFigureOut">
               <a:rPr lang="bg-BG" smtClean="0"/>
-              <a:t>4.6.2024 г.</a:t>
+              <a:t>17.6.2024 г.</a:t>
             </a:fld>
             <a:endParaRPr lang="bg-BG"/>
           </a:p>
@@ -1199,7 +1199,7 @@
           <a:p>
             <a:fld id="{7F745D91-181B-4ACC-9A76-FEF69BCB56D6}" type="datetimeFigureOut">
               <a:rPr lang="bg-BG" smtClean="0"/>
-              <a:t>4.6.2024 г.</a:t>
+              <a:t>17.6.2024 г.</a:t>
             </a:fld>
             <a:endParaRPr lang="bg-BG"/>
           </a:p>
@@ -1473,7 +1473,7 @@
           <a:p>
             <a:fld id="{7F745D91-181B-4ACC-9A76-FEF69BCB56D6}" type="datetimeFigureOut">
               <a:rPr lang="bg-BG" smtClean="0"/>
-              <a:t>4.6.2024 г.</a:t>
+              <a:t>17.6.2024 г.</a:t>
             </a:fld>
             <a:endParaRPr lang="bg-BG"/>
           </a:p>
@@ -1895,7 +1895,7 @@
           <a:p>
             <a:fld id="{7F745D91-181B-4ACC-9A76-FEF69BCB56D6}" type="datetimeFigureOut">
               <a:rPr lang="bg-BG" smtClean="0"/>
-              <a:t>4.6.2024 г.</a:t>
+              <a:t>17.6.2024 г.</a:t>
             </a:fld>
             <a:endParaRPr lang="bg-BG"/>
           </a:p>
@@ -2050,7 +2050,7 @@
           <a:p>
             <a:fld id="{7F745D91-181B-4ACC-9A76-FEF69BCB56D6}" type="datetimeFigureOut">
               <a:rPr lang="bg-BG" smtClean="0"/>
-              <a:t>4.6.2024 г.</a:t>
+              <a:t>17.6.2024 г.</a:t>
             </a:fld>
             <a:endParaRPr lang="bg-BG"/>
           </a:p>
@@ -2182,7 +2182,7 @@
           <a:p>
             <a:fld id="{7F745D91-181B-4ACC-9A76-FEF69BCB56D6}" type="datetimeFigureOut">
               <a:rPr lang="bg-BG" smtClean="0"/>
-              <a:t>4.6.2024 г.</a:t>
+              <a:t>17.6.2024 г.</a:t>
             </a:fld>
             <a:endParaRPr lang="bg-BG"/>
           </a:p>
@@ -2435,7 +2435,7 @@
           <a:p>
             <a:fld id="{7F745D91-181B-4ACC-9A76-FEF69BCB56D6}" type="datetimeFigureOut">
               <a:rPr lang="bg-BG" smtClean="0"/>
-              <a:t>4.6.2024 г.</a:t>
+              <a:t>17.6.2024 г.</a:t>
             </a:fld>
             <a:endParaRPr lang="bg-BG"/>
           </a:p>
@@ -2890,7 +2890,7 @@
           <a:p>
             <a:fld id="{7F745D91-181B-4ACC-9A76-FEF69BCB56D6}" type="datetimeFigureOut">
               <a:rPr lang="bg-BG" smtClean="0"/>
-              <a:t>4.6.2024 г.</a:t>
+              <a:t>17.6.2024 г.</a:t>
             </a:fld>
             <a:endParaRPr lang="bg-BG"/>
           </a:p>
@@ -3217,7 +3217,7 @@
           <a:p>
             <a:fld id="{7F745D91-181B-4ACC-9A76-FEF69BCB56D6}" type="datetimeFigureOut">
               <a:rPr lang="bg-BG" smtClean="0"/>
-              <a:t>4.6.2024 г.</a:t>
+              <a:t>17.6.2024 г.</a:t>
             </a:fld>
             <a:endParaRPr lang="bg-BG"/>
           </a:p>
@@ -4038,13 +4038,7 @@
               <a:rPr lang="bg-BG" sz="3600" b="1" i="1" dirty="0"/>
               <a:t>Цел на проекта</a:t>
             </a:r>
-            <a:br>
-              <a:rPr lang="bg-BG" sz="3600" b="1" i="1" dirty="0"/>
-            </a:br>
-            <a:r>
-              <a:rPr lang="bg-BG" sz="2000" i="1" dirty="0"/>
-              <a:t>(предназначение)</a:t>
-            </a:r>
+            <a:endParaRPr lang="bg-BG" sz="2000" i="1" dirty="0"/>
           </a:p>
         </p:txBody>
       </p:sp>
@@ -4065,7 +4059,7 @@
           </a:bodyPr>
           <a:lstStyle/>
           <a:p>
-            <a:pPr algn="just">
+            <a:pPr>
               <a:buNone/>
             </a:pPr>
             <a:r>
@@ -4146,35 +4140,54 @@
           </a:bodyPr>
           <a:lstStyle/>
           <a:p>
-            <a:pPr algn="just"/>
             <a:r>
               <a:rPr lang="bg-BG" sz="2400" dirty="0"/>
               <a:t>Павел – начална страница; история на комютърната техника</a:t>
             </a:r>
           </a:p>
           <a:p>
-            <a:pPr algn="just"/>
             <a:r>
               <a:rPr lang="bg-BG" sz="2400" dirty="0"/>
-              <a:t>Христо – Централен процесор; Оперативна Памет</a:t>
-            </a:r>
-          </a:p>
-          <a:p>
-            <a:pPr algn="just"/>
+              <a:t>Христо</a:t>
+            </a:r>
+            <a:r>
+              <a:rPr lang="en-US" sz="2400" dirty="0"/>
+              <a:t>	</a:t>
+            </a:r>
+            <a:r>
+              <a:rPr lang="bg-BG" sz="2400" dirty="0"/>
+              <a:t>–</a:t>
+            </a:r>
+            <a:r>
+              <a:rPr lang="en-US" sz="2400" dirty="0"/>
+              <a:t> </a:t>
+            </a:r>
+            <a:r>
+              <a:rPr lang="bg-BG" sz="2400" dirty="0"/>
+              <a:t>Централен</a:t>
+            </a:r>
+            <a:r>
+              <a:rPr lang="en-US" sz="2400" dirty="0"/>
+              <a:t> </a:t>
+            </a:r>
+            <a:r>
+              <a:rPr lang="bg-BG" sz="2400" dirty="0"/>
+              <a:t>процесор; Оперативна Памет</a:t>
+            </a:r>
+          </a:p>
+          <a:p>
             <a:r>
               <a:rPr lang="bg-BG" sz="2400" dirty="0"/>
               <a:t>Марто – Периферни устройства и оперативна памет</a:t>
             </a:r>
           </a:p>
           <a:p>
-            <a:pPr algn="just"/>
             <a:r>
               <a:rPr lang="bg-BG" sz="2400" dirty="0"/>
               <a:t>Боби – Поколения Компютри</a:t>
             </a:r>
           </a:p>
           <a:p>
-            <a:pPr algn="just"/>
             <a:r>
               <a:rPr lang="bg-BG" sz="2400" dirty="0"/>
               <a:t>Явор – Компютърни технологии в БГ</a:t>
@@ -4228,13 +4241,7 @@
               <a:rPr lang="bg-BG" sz="3600" b="1" i="1" dirty="0"/>
               <a:t>Ниво на сложност на проекта</a:t>
             </a:r>
-            <a:br>
-              <a:rPr lang="bg-BG" dirty="0"/>
-            </a:br>
-            <a:r>
-              <a:rPr lang="bg-BG" sz="2200" i="1" dirty="0"/>
-              <a:t>(проблеми при реализация на поставените цели)</a:t>
-            </a:r>
+            <a:endParaRPr lang="bg-BG" sz="2200" i="1" dirty="0"/>
           </a:p>
         </p:txBody>
       </p:sp>
@@ -4255,7 +4262,6 @@
           </a:bodyPr>
           <a:lstStyle/>
           <a:p>
-            <a:pPr algn="just"/>
             <a:r>
               <a:rPr lang="bg-BG" sz="2400" dirty="0"/>
               <a:t>Да направим синхронизирано място за реализиране на поставената задача</a:t>
@@ -4301,7 +4307,7 @@
         <p:spPr/>
         <p:txBody>
           <a:bodyPr>
-            <a:normAutofit fontScale="90000"/>
+            <a:normAutofit/>
           </a:bodyPr>
           <a:lstStyle/>
           <a:p>
@@ -4309,13 +4315,7 @@
               <a:rPr lang="bg-BG" sz="4000" b="1" i="1" dirty="0"/>
               <a:t>Реализация</a:t>
             </a:r>
-            <a:br>
-              <a:rPr lang="bg-BG" dirty="0"/>
-            </a:br>
-            <a:r>
-              <a:rPr lang="bg-BG" sz="2200" i="1" dirty="0"/>
-              <a:t>(обосновка за използвани технологични средства, материали, програмни приложения и други)</a:t>
-            </a:r>
+            <a:endParaRPr lang="bg-BG" sz="2200" i="1" dirty="0"/>
           </a:p>
         </p:txBody>
       </p:sp>
@@ -4336,7 +4336,6 @@
           </a:bodyPr>
           <a:lstStyle/>
           <a:p>
-            <a:pPr algn="just"/>
             <a:r>
               <a:rPr lang="en-US" sz="2400" dirty="0"/>
               <a:t>GitHub; Visual Studio Code; </a:t>
@@ -4394,13 +4393,7 @@
               <a:rPr lang="bg-BG" sz="4000" b="1" i="1" dirty="0"/>
               <a:t>Описание на сайта</a:t>
             </a:r>
-            <a:br>
-              <a:rPr lang="bg-BG" dirty="0"/>
-            </a:br>
-            <a:r>
-              <a:rPr lang="bg-BG" sz="2200" i="1" dirty="0"/>
-              <a:t>(връзка към него)</a:t>
-            </a:r>
+            <a:endParaRPr lang="bg-BG" sz="2200" i="1" dirty="0"/>
           </a:p>
         </p:txBody>
       </p:sp>
@@ -4421,10 +4414,13 @@
           </a:bodyPr>
           <a:lstStyle/>
           <a:p>
-            <a:pPr algn="ctr">
+            <a:pPr>
               <a:buNone/>
             </a:pPr>
-            <a:endParaRPr lang="bg-BG" sz="2400" dirty="0"/>
+            <a:r>
+              <a:rPr lang="bg-BG" sz="2400" dirty="0"/>
+              <a:t>Сайт за компютърните системи, технологии и история.</a:t>
+            </a:r>
           </a:p>
         </p:txBody>
       </p:sp>
@@ -4466,7 +4462,7 @@
         <p:spPr/>
         <p:txBody>
           <a:bodyPr>
-            <a:normAutofit fontScale="90000"/>
+            <a:normAutofit/>
           </a:bodyPr>
           <a:lstStyle/>
           <a:p>
@@ -4474,13 +4470,7 @@
               <a:rPr lang="bg-BG" sz="3600" b="1" i="1" dirty="0"/>
               <a:t>Заключение</a:t>
             </a:r>
-            <a:br>
-              <a:rPr lang="bg-BG" dirty="0"/>
-            </a:br>
-            <a:r>
-              <a:rPr lang="bg-BG" sz="2200" i="1" dirty="0"/>
-              <a:t>(какви възможности има за развитие и усъвършенстване)</a:t>
-            </a:r>
+            <a:endParaRPr lang="bg-BG" sz="2200" i="1" dirty="0"/>
           </a:p>
         </p:txBody>
       </p:sp>
@@ -4501,17 +4491,15 @@
           </a:bodyPr>
           <a:lstStyle/>
           <a:p>
-            <a:pPr algn="just"/>
             <a:r>
               <a:rPr lang="bg-BG" sz="2400" dirty="0"/>
               <a:t>Може да бъде доразвит дизайна на страниците.</a:t>
             </a:r>
           </a:p>
           <a:p>
-            <a:pPr algn="just"/>
             <a:r>
               <a:rPr lang="bg-BG" sz="2400" dirty="0"/>
-              <a:t>Информацията може да бъде допълнена</a:t>
+              <a:t>Информацията може да бъде допълнена.</a:t>
             </a:r>
           </a:p>
         </p:txBody>
